--- a/bas.pptx
+++ b/bas.pptx
@@ -5,7 +5,7 @@
     <p:sldMasterId id="2147483708" r:id="rId1"/>
   </p:sldMasterIdLst>
   <p:notesMasterIdLst>
-    <p:notesMasterId r:id="rId14"/>
+    <p:notesMasterId r:id="rId15"/>
   </p:notesMasterIdLst>
   <p:sldIdLst>
     <p:sldId id="256" r:id="rId2"/>
@@ -18,8 +18,9 @@
     <p:sldId id="262" r:id="rId9"/>
     <p:sldId id="263" r:id="rId10"/>
     <p:sldId id="264" r:id="rId11"/>
-    <p:sldId id="265" r:id="rId12"/>
-    <p:sldId id="266" r:id="rId13"/>
+    <p:sldId id="268" r:id="rId12"/>
+    <p:sldId id="265" r:id="rId13"/>
+    <p:sldId id="266" r:id="rId14"/>
   </p:sldIdLst>
   <p:sldSz cx="12192000" cy="6858000"/>
   <p:notesSz cx="6858000" cy="9144000"/>
@@ -208,7 +209,7 @@
           <a:p>
             <a:fld id="{C46F8BC2-9FEB-4A35-BF65-8E26AE3094B1}" type="datetimeFigureOut">
               <a:rPr lang="ru-RU" smtClean="0"/>
-              <a:t>03.06.2024</a:t>
+              <a:t>21.06.2024</a:t>
             </a:fld>
             <a:endParaRPr lang="ru-RU"/>
           </a:p>
@@ -1198,7 +1199,7 @@
           <a:p>
             <a:fld id="{6BE53B74-78C9-4784-8B2F-9037FFF7E68D}" type="datetime1">
               <a:rPr lang="ru-RU" smtClean="0"/>
-              <a:t>03.06.2024</a:t>
+              <a:t>21.06.2024</a:t>
             </a:fld>
             <a:endParaRPr lang="ru-RU"/>
           </a:p>
@@ -1449,7 +1450,7 @@
           <a:p>
             <a:fld id="{10AD4B50-BE3B-4499-B82E-4397828229E6}" type="datetime1">
               <a:rPr lang="ru-RU" smtClean="0"/>
-              <a:t>03.06.2024</a:t>
+              <a:t>21.06.2024</a:t>
             </a:fld>
             <a:endParaRPr lang="ru-RU"/>
           </a:p>
@@ -1763,7 +1764,7 @@
           <a:p>
             <a:fld id="{A15176A9-5E8B-4247-851D-A8B283ECD3DC}" type="datetime1">
               <a:rPr lang="ru-RU" smtClean="0"/>
-              <a:t>03.06.2024</a:t>
+              <a:t>21.06.2024</a:t>
             </a:fld>
             <a:endParaRPr lang="ru-RU"/>
           </a:p>
@@ -2104,7 +2105,7 @@
           <a:p>
             <a:fld id="{35A63428-B192-45DF-A411-CF68C7DF6102}" type="datetime1">
               <a:rPr lang="ru-RU" smtClean="0"/>
-              <a:t>03.06.2024</a:t>
+              <a:t>21.06.2024</a:t>
             </a:fld>
             <a:endParaRPr lang="ru-RU"/>
           </a:p>
@@ -2418,7 +2419,7 @@
           <a:p>
             <a:fld id="{94B36862-A528-4B68-801D-2CCFB367AD41}" type="datetime1">
               <a:rPr lang="ru-RU" smtClean="0"/>
-              <a:t>03.06.2024</a:t>
+              <a:t>21.06.2024</a:t>
             </a:fld>
             <a:endParaRPr lang="ru-RU"/>
           </a:p>
@@ -2811,7 +2812,7 @@
           <a:p>
             <a:fld id="{5C0759B8-0A5C-4C7F-BA8C-4D6CC7061A08}" type="datetime1">
               <a:rPr lang="ru-RU" smtClean="0"/>
-              <a:t>03.06.2024</a:t>
+              <a:t>21.06.2024</a:t>
             </a:fld>
             <a:endParaRPr lang="ru-RU"/>
           </a:p>
@@ -2981,7 +2982,7 @@
           <a:p>
             <a:fld id="{F524A504-BD9D-458C-89DA-9B44CC293B80}" type="datetime1">
               <a:rPr lang="ru-RU" smtClean="0"/>
-              <a:t>03.06.2024</a:t>
+              <a:t>21.06.2024</a:t>
             </a:fld>
             <a:endParaRPr lang="ru-RU"/>
           </a:p>
@@ -3161,7 +3162,7 @@
           <a:p>
             <a:fld id="{090FF453-0A3E-465D-B988-D817EB6F43F1}" type="datetime1">
               <a:rPr lang="ru-RU" smtClean="0"/>
-              <a:t>03.06.2024</a:t>
+              <a:t>21.06.2024</a:t>
             </a:fld>
             <a:endParaRPr lang="ru-RU"/>
           </a:p>
@@ -3337,7 +3338,7 @@
           <a:p>
             <a:fld id="{5B052A57-20C0-463F-B8A2-957375230698}" type="datetime1">
               <a:rPr lang="ru-RU" smtClean="0"/>
-              <a:t>03.06.2024</a:t>
+              <a:t>21.06.2024</a:t>
             </a:fld>
             <a:endParaRPr lang="ru-RU"/>
           </a:p>
@@ -3584,7 +3585,7 @@
           <a:p>
             <a:fld id="{DA388E8F-94BC-40B6-B62F-5433A7025584}" type="datetime1">
               <a:rPr lang="ru-RU" smtClean="0"/>
-              <a:t>03.06.2024</a:t>
+              <a:t>21.06.2024</a:t>
             </a:fld>
             <a:endParaRPr lang="ru-RU"/>
           </a:p>
@@ -3816,7 +3817,7 @@
           <a:p>
             <a:fld id="{19FA0391-6C9B-4675-AE86-125D22EE917B}" type="datetime1">
               <a:rPr lang="ru-RU" smtClean="0"/>
-              <a:t>03.06.2024</a:t>
+              <a:t>21.06.2024</a:t>
             </a:fld>
             <a:endParaRPr lang="ru-RU"/>
           </a:p>
@@ -4190,7 +4191,7 @@
           <a:p>
             <a:fld id="{979810F6-169E-41B0-BB1C-F2F0466E33BE}" type="datetime1">
               <a:rPr lang="ru-RU" smtClean="0"/>
-              <a:t>03.06.2024</a:t>
+              <a:t>21.06.2024</a:t>
             </a:fld>
             <a:endParaRPr lang="ru-RU"/>
           </a:p>
@@ -4313,7 +4314,7 @@
           <a:p>
             <a:fld id="{DA4D49A3-0D3E-4334-B99D-7521F1B042DB}" type="datetime1">
               <a:rPr lang="ru-RU" smtClean="0"/>
-              <a:t>03.06.2024</a:t>
+              <a:t>21.06.2024</a:t>
             </a:fld>
             <a:endParaRPr lang="ru-RU"/>
           </a:p>
@@ -4408,7 +4409,7 @@
           <a:p>
             <a:fld id="{F3350D97-9C1A-4B12-8690-F80A599AB7C3}" type="datetime1">
               <a:rPr lang="ru-RU" smtClean="0"/>
-              <a:t>03.06.2024</a:t>
+              <a:t>21.06.2024</a:t>
             </a:fld>
             <a:endParaRPr lang="ru-RU"/>
           </a:p>
@@ -4663,7 +4664,7 @@
           <a:p>
             <a:fld id="{FF07739A-5700-41A9-B251-AC3DA25F13AB}" type="datetime1">
               <a:rPr lang="ru-RU" smtClean="0"/>
-              <a:t>03.06.2024</a:t>
+              <a:t>21.06.2024</a:t>
             </a:fld>
             <a:endParaRPr lang="ru-RU"/>
           </a:p>
@@ -4926,7 +4927,7 @@
           <a:p>
             <a:fld id="{8A618CD8-DA57-4101-9C94-382710B9DFAD}" type="datetime1">
               <a:rPr lang="ru-RU" smtClean="0"/>
-              <a:t>03.06.2024</a:t>
+              <a:t>21.06.2024</a:t>
             </a:fld>
             <a:endParaRPr lang="ru-RU"/>
           </a:p>
@@ -5669,7 +5670,7 @@
           <a:p>
             <a:fld id="{9E7537A0-0E48-432A-A730-2BDAEFCDFAE9}" type="datetime1">
               <a:rPr lang="ru-RU" smtClean="0"/>
-              <a:t>03.06.2024</a:t>
+              <a:t>21.06.2024</a:t>
             </a:fld>
             <a:endParaRPr lang="ru-RU"/>
           </a:p>
@@ -6244,11 +6245,7 @@
             <a:pPr algn="ctr"/>
             <a:r>
               <a:rPr lang="ru-RU" sz="2800" dirty="0" smtClean="0"/>
-              <a:t>Частное </a:t>
-            </a:r>
-            <a:r>
-              <a:rPr lang="ru-RU" sz="2800" dirty="0" smtClean="0"/>
-              <a:t>учреждение профессиональная образовательная организация </a:t>
+              <a:t>Частное учреждение профессиональная образовательная организация </a:t>
             </a:r>
             <a:r>
               <a:rPr lang="en-US" sz="2800" dirty="0" smtClean="0"/>
@@ -6257,21 +6254,13 @@
             <a:r>
               <a:rPr lang="ru-RU" sz="2800" dirty="0" smtClean="0"/>
               <a:t>ТЕХНИКУМ </a:t>
-            </a:r>
-            <a:r>
-              <a:rPr lang="ru-RU" sz="2800" dirty="0" smtClean="0"/>
-              <a:t/>
             </a:r>
             <a:br>
               <a:rPr lang="ru-RU" sz="2800" dirty="0" smtClean="0"/>
             </a:br>
             <a:r>
               <a:rPr lang="ru-RU" sz="2800" dirty="0" smtClean="0"/>
-              <a:t>БИЗНЕС </a:t>
-            </a:r>
-            <a:r>
-              <a:rPr lang="ru-RU" sz="2800" dirty="0" smtClean="0"/>
-              <a:t>И ПРАВО</a:t>
+              <a:t>БИЗНЕС И ПРАВО</a:t>
             </a:r>
             <a:r>
               <a:rPr lang="en-US" sz="2800" dirty="0" smtClean="0"/>
@@ -6290,7 +6279,7 @@
         <p:spPr>
           <a:xfrm>
             <a:off x="1028442" y="2293056"/>
-            <a:ext cx="8058665" cy="2123658"/>
+            <a:ext cx="8533344" cy="2123658"/>
           </a:xfrm>
           <a:prstGeom prst="rect">
             <a:avLst/>
@@ -6307,7 +6296,13 @@
               <a:rPr lang="ru-RU" sz="4400" dirty="0" smtClean="0">
                 <a:cs typeface="Times New Roman" panose="02020603050405020304" pitchFamily="18" charset="0"/>
               </a:rPr>
-              <a:t>Дипломная работа на тему</a:t>
+              <a:t>Дипломный проэкт на </a:t>
+            </a:r>
+            <a:r>
+              <a:rPr lang="ru-RU" sz="4400" dirty="0" smtClean="0">
+                <a:cs typeface="Times New Roman" panose="02020603050405020304" pitchFamily="18" charset="0"/>
+              </a:rPr>
+              <a:t>тему</a:t>
             </a:r>
             <a:r>
               <a:rPr lang="en-US" sz="4400" dirty="0" smtClean="0">
@@ -6335,7 +6330,11 @@
             </a:r>
             <a:r>
               <a:rPr lang="ru-RU" sz="4400" dirty="0" smtClean="0"/>
-              <a:t>Веб приложение для проведения тестирований</a:t>
+              <a:t>Разработка </a:t>
+            </a:r>
+            <a:r>
+              <a:rPr lang="ru-RU" sz="4400" dirty="0"/>
+              <a:t>веб-приложения для проведения тестирования</a:t>
             </a:r>
             <a:r>
               <a:rPr lang="ru-RU" sz="4400" dirty="0" smtClean="0">
@@ -6471,8 +6470,8 @@
         </p:nvSpPr>
         <p:spPr>
           <a:xfrm>
-            <a:off x="2114585" y="568988"/>
-            <a:ext cx="5161991" cy="830997"/>
+            <a:off x="2644532" y="905530"/>
+            <a:ext cx="5019900" cy="830997"/>
           </a:xfrm>
           <a:prstGeom prst="rect">
             <a:avLst/>
@@ -6495,7 +6494,7 @@
               <a:rPr lang="ru-RU" sz="4800" dirty="0" smtClean="0">
                 <a:latin typeface="Century Gothic (Заголовки)"/>
               </a:rPr>
-              <a:t>лекций</a:t>
+              <a:t>тестов</a:t>
             </a:r>
             <a:endParaRPr lang="ru-RU" sz="4800" dirty="0">
               <a:latin typeface="Century Gothic (Заголовки)"/>
@@ -6528,7 +6527,7 @@
       </p:sp>
       <p:pic>
         <p:nvPicPr>
-          <p:cNvPr id="3" name="Рисунок 2"/>
+          <p:cNvPr id="4" name="Рисунок 3"/>
           <p:cNvPicPr>
             <a:picLocks noChangeAspect="1"/>
           </p:cNvPicPr>
@@ -6542,17 +6541,12 @@
         </p:blipFill>
         <p:spPr>
           <a:xfrm>
-            <a:off x="705249" y="1609725"/>
-            <a:ext cx="7980664" cy="3390900"/>
+            <a:off x="599533" y="2218396"/>
+            <a:ext cx="9125038" cy="2822255"/>
           </a:xfrm>
           <a:prstGeom prst="rect">
             <a:avLst/>
           </a:prstGeom>
-          <a:ln>
-            <a:solidFill>
-              <a:schemeClr val="tx1"/>
-            </a:solidFill>
-          </a:ln>
         </p:spPr>
       </p:pic>
     </p:spTree>
@@ -6594,112 +6588,93 @@
       </p:grpSpPr>
       <p:sp>
         <p:nvSpPr>
-          <p:cNvPr id="5" name="Прямоугольник 4"/>
-          <p:cNvSpPr/>
+          <p:cNvPr id="4" name="Номер слайда 3"/>
+          <p:cNvSpPr>
+            <a:spLocks noGrp="1"/>
+          </p:cNvSpPr>
+          <p:nvPr>
+            <p:ph type="sldNum" sz="quarter" idx="12"/>
+          </p:nvPr>
+        </p:nvSpPr>
+        <p:spPr/>
+        <p:txBody>
+          <a:bodyPr/>
+          <a:lstStyle/>
+          <a:p>
+            <a:fld id="{02B7FBD4-3776-47F0-8257-16DF6675F815}" type="slidenum">
+              <a:rPr lang="ru-RU" smtClean="0"/>
+              <a:t>11</a:t>
+            </a:fld>
+            <a:endParaRPr lang="ru-RU"/>
+          </a:p>
+        </p:txBody>
+      </p:sp>
+      <p:sp>
+        <p:nvSpPr>
+          <p:cNvPr id="6" name="TextBox 5"/>
+          <p:cNvSpPr txBox="1"/>
           <p:nvPr/>
         </p:nvSpPr>
         <p:spPr>
           <a:xfrm>
-            <a:off x="2904097" y="1346591"/>
-            <a:ext cx="2412520" cy="830997"/>
+            <a:off x="1353457" y="1074058"/>
+            <a:ext cx="6902852" cy="830997"/>
+          </a:xfrm>
+          <a:prstGeom prst="rect">
+            <a:avLst/>
+          </a:prstGeom>
+          <a:noFill/>
+        </p:spPr>
+        <p:txBody>
+          <a:bodyPr wrap="none" rtlCol="0">
+            <a:spAutoFit/>
+          </a:bodyPr>
+          <a:lstStyle/>
+          <a:p>
+            <a:r>
+              <a:rPr lang="ru-RU" sz="4800" dirty="0" smtClean="0"/>
+              <a:t>Страница</a:t>
+            </a:r>
+            <a:r>
+              <a:rPr lang="en-US" sz="4800" dirty="0" smtClean="0"/>
+              <a:t> </a:t>
+            </a:r>
+            <a:r>
+              <a:rPr lang="ru-RU" sz="4800" dirty="0" smtClean="0"/>
+              <a:t>тестирования</a:t>
+            </a:r>
+            <a:endParaRPr lang="ru-RU" sz="4800" dirty="0"/>
+          </a:p>
+        </p:txBody>
+      </p:sp>
+      <p:pic>
+        <p:nvPicPr>
+          <p:cNvPr id="7" name="Рисунок 6"/>
+          <p:cNvPicPr>
+            <a:picLocks noChangeAspect="1"/>
+          </p:cNvPicPr>
+          <p:nvPr/>
+        </p:nvPicPr>
+        <p:blipFill>
+          <a:blip r:embed="rId2"/>
+          <a:stretch>
+            <a:fillRect/>
+          </a:stretch>
+        </p:blipFill>
+        <p:spPr>
+          <a:xfrm>
+            <a:off x="483299" y="1905055"/>
+            <a:ext cx="8790703" cy="4451848"/>
           </a:xfrm>
           <a:prstGeom prst="rect">
             <a:avLst/>
           </a:prstGeom>
         </p:spPr>
-        <p:txBody>
-          <a:bodyPr wrap="none">
-            <a:spAutoFit/>
-          </a:bodyPr>
-          <a:lstStyle/>
-          <a:p>
-            <a:pPr algn="ctr"/>
-            <a:r>
-              <a:rPr lang="ru-RU" sz="4800" dirty="0">
-                <a:latin typeface="Century Gothic (Заголовки)"/>
-              </a:rPr>
-              <a:t>ВЫВОД</a:t>
-            </a:r>
-          </a:p>
-        </p:txBody>
-      </p:sp>
-      <p:sp>
-        <p:nvSpPr>
-          <p:cNvPr id="6" name="Прямоугольник 5"/>
-          <p:cNvSpPr/>
-          <p:nvPr/>
-        </p:nvSpPr>
-        <p:spPr>
-          <a:xfrm>
-            <a:off x="940560" y="2316381"/>
-            <a:ext cx="8752114" cy="2308324"/>
-          </a:xfrm>
-          <a:prstGeom prst="rect">
-            <a:avLst/>
-          </a:prstGeom>
-        </p:spPr>
-        <p:txBody>
-          <a:bodyPr wrap="square">
-            <a:spAutoFit/>
-          </a:bodyPr>
-          <a:lstStyle/>
-          <a:p>
-            <a:r>
-              <a:rPr lang="ru-RU" sz="2400" dirty="0"/>
-              <a:t>Основная цель выпускной квалификационной работы — разработка интернет курсов для ООО «</a:t>
-            </a:r>
-            <a:r>
-              <a:rPr lang="en-US" sz="2400" dirty="0"/>
-              <a:t>InterKor» </a:t>
-            </a:r>
-            <a:r>
-              <a:rPr lang="ru-RU" sz="2400" dirty="0"/>
-              <a:t>с возможностью тестирования достигнута.</a:t>
-            </a:r>
-          </a:p>
-          <a:p>
-            <a:r>
-              <a:rPr lang="ru-RU" sz="2400" dirty="0"/>
-              <a:t>Таким образом, задачи выпускной квалификационной работы можно считать выполненными, а цель – создать интернет курсы для ООО «</a:t>
-            </a:r>
-            <a:r>
-              <a:rPr lang="en-US" sz="2400" dirty="0"/>
-              <a:t>InterKor» </a:t>
-            </a:r>
-            <a:r>
-              <a:rPr lang="ru-RU" sz="2400" dirty="0"/>
-              <a:t>достигнута.</a:t>
-            </a:r>
-          </a:p>
-        </p:txBody>
-      </p:sp>
-      <p:sp>
-        <p:nvSpPr>
-          <p:cNvPr id="2" name="Номер слайда 1"/>
-          <p:cNvSpPr>
-            <a:spLocks noGrp="1"/>
-          </p:cNvSpPr>
-          <p:nvPr>
-            <p:ph type="sldNum" sz="quarter" idx="12"/>
-          </p:nvPr>
-        </p:nvSpPr>
-        <p:spPr/>
-        <p:txBody>
-          <a:bodyPr/>
-          <a:lstStyle/>
-          <a:p>
-            <a:fld id="{02B7FBD4-3776-47F0-8257-16DF6675F815}" type="slidenum">
-              <a:rPr lang="ru-RU" smtClean="0"/>
-              <a:t>11</a:t>
-            </a:fld>
-            <a:endParaRPr lang="ru-RU"/>
-          </a:p>
-        </p:txBody>
-      </p:sp>
+      </p:pic>
     </p:spTree>
     <p:extLst>
       <p:ext uri="{BB962C8B-B14F-4D97-AF65-F5344CB8AC3E}">
-        <p14:creationId xmlns:p14="http://schemas.microsoft.com/office/powerpoint/2010/main" val="1968087369"/>
+        <p14:creationId xmlns:p14="http://schemas.microsoft.com/office/powerpoint/2010/main" val="577214595"/>
       </p:ext>
     </p:extLst>
   </p:cSld>
@@ -6735,6 +6710,147 @@
       </p:grpSpPr>
       <p:sp>
         <p:nvSpPr>
+          <p:cNvPr id="5" name="Прямоугольник 4"/>
+          <p:cNvSpPr/>
+          <p:nvPr/>
+        </p:nvSpPr>
+        <p:spPr>
+          <a:xfrm>
+            <a:off x="2904097" y="1346591"/>
+            <a:ext cx="2412520" cy="830997"/>
+          </a:xfrm>
+          <a:prstGeom prst="rect">
+            <a:avLst/>
+          </a:prstGeom>
+        </p:spPr>
+        <p:txBody>
+          <a:bodyPr wrap="none">
+            <a:spAutoFit/>
+          </a:bodyPr>
+          <a:lstStyle/>
+          <a:p>
+            <a:pPr algn="ctr"/>
+            <a:r>
+              <a:rPr lang="ru-RU" sz="4800" dirty="0">
+                <a:latin typeface="Century Gothic (Заголовки)"/>
+              </a:rPr>
+              <a:t>ВЫВОД</a:t>
+            </a:r>
+          </a:p>
+        </p:txBody>
+      </p:sp>
+      <p:sp>
+        <p:nvSpPr>
+          <p:cNvPr id="6" name="Прямоугольник 5"/>
+          <p:cNvSpPr/>
+          <p:nvPr/>
+        </p:nvSpPr>
+        <p:spPr>
+          <a:xfrm>
+            <a:off x="940560" y="2316381"/>
+            <a:ext cx="8752114" cy="3323987"/>
+          </a:xfrm>
+          <a:prstGeom prst="rect">
+            <a:avLst/>
+          </a:prstGeom>
+        </p:spPr>
+        <p:txBody>
+          <a:bodyPr wrap="square">
+            <a:spAutoFit/>
+          </a:bodyPr>
+          <a:lstStyle/>
+          <a:p>
+            <a:r>
+              <a:rPr lang="ru-RU" sz="3000" dirty="0"/>
+              <a:t>Основная цель дипломного проекта — разработка интернет курсов для ООО «</a:t>
+            </a:r>
+            <a:r>
+              <a:rPr lang="en-US" sz="3000" dirty="0"/>
+              <a:t>InterKor» </a:t>
+            </a:r>
+            <a:r>
+              <a:rPr lang="ru-RU" sz="3000" dirty="0"/>
+              <a:t>с возможностью тестирования достигнута.</a:t>
+            </a:r>
+          </a:p>
+          <a:p>
+            <a:r>
+              <a:rPr lang="ru-RU" sz="3000" dirty="0"/>
+              <a:t>Таким образом, задачи выпускной квалификационной работы можно считать выполненными, а цель – создать интернет курсы для ООО «</a:t>
+            </a:r>
+            <a:r>
+              <a:rPr lang="en-US" sz="3000" dirty="0"/>
+              <a:t>InterKor» </a:t>
+            </a:r>
+            <a:r>
+              <a:rPr lang="ru-RU" sz="3000" dirty="0"/>
+              <a:t>достигнута.</a:t>
+            </a:r>
+          </a:p>
+        </p:txBody>
+      </p:sp>
+      <p:sp>
+        <p:nvSpPr>
+          <p:cNvPr id="2" name="Номер слайда 1"/>
+          <p:cNvSpPr>
+            <a:spLocks noGrp="1"/>
+          </p:cNvSpPr>
+          <p:nvPr>
+            <p:ph type="sldNum" sz="quarter" idx="12"/>
+          </p:nvPr>
+        </p:nvSpPr>
+        <p:spPr/>
+        <p:txBody>
+          <a:bodyPr/>
+          <a:lstStyle/>
+          <a:p>
+            <a:fld id="{02B7FBD4-3776-47F0-8257-16DF6675F815}" type="slidenum">
+              <a:rPr lang="ru-RU" smtClean="0"/>
+              <a:t>12</a:t>
+            </a:fld>
+            <a:endParaRPr lang="ru-RU"/>
+          </a:p>
+        </p:txBody>
+      </p:sp>
+    </p:spTree>
+    <p:extLst>
+      <p:ext uri="{BB962C8B-B14F-4D97-AF65-F5344CB8AC3E}">
+        <p14:creationId xmlns:p14="http://schemas.microsoft.com/office/powerpoint/2010/main" val="1968087369"/>
+      </p:ext>
+    </p:extLst>
+  </p:cSld>
+  <p:clrMapOvr>
+    <a:masterClrMapping/>
+  </p:clrMapOvr>
+  <p:timing>
+    <p:tnLst>
+      <p:par>
+        <p:cTn id="1" dur="indefinite" restart="never" nodeType="tmRoot"/>
+      </p:par>
+    </p:tnLst>
+  </p:timing>
+</p:sld>
+</file>
+
+<file path=ppt/slides/slide13.xml><?xml version="1.0" encoding="utf-8"?>
+<p:sld xmlns:a="http://schemas.openxmlformats.org/drawingml/2006/main" xmlns:r="http://schemas.openxmlformats.org/officeDocument/2006/relationships" xmlns:p="http://schemas.openxmlformats.org/presentationml/2006/main">
+  <p:cSld>
+    <p:spTree>
+      <p:nvGrpSpPr>
+        <p:cNvPr id="1" name=""/>
+        <p:cNvGrpSpPr/>
+        <p:nvPr/>
+      </p:nvGrpSpPr>
+      <p:grpSpPr>
+        <a:xfrm>
+          <a:off x="0" y="0"/>
+          <a:ext cx="0" cy="0"/>
+          <a:chOff x="0" y="0"/>
+          <a:chExt cx="0" cy="0"/>
+        </a:xfrm>
+      </p:grpSpPr>
+      <p:sp>
+        <p:nvSpPr>
           <p:cNvPr id="2" name="Заголовок 1"/>
           <p:cNvSpPr>
             <a:spLocks noGrp="1"/>
@@ -6779,7 +6895,7 @@
           <a:p>
             <a:fld id="{02B7FBD4-3776-47F0-8257-16DF6675F815}" type="slidenum">
               <a:rPr lang="ru-RU" smtClean="0"/>
-              <a:t>12</a:t>
+              <a:t>13</a:t>
             </a:fld>
             <a:endParaRPr lang="ru-RU"/>
           </a:p>
@@ -6871,7 +6987,7 @@
         </p:nvSpPr>
         <p:spPr>
           <a:xfrm>
-            <a:off x="2555747" y="1460918"/>
+            <a:off x="3170602" y="1525249"/>
             <a:ext cx="2403222" cy="646331"/>
           </a:xfrm>
           <a:prstGeom prst="rect">
@@ -6901,8 +7017,8 @@
         </p:nvSpPr>
         <p:spPr>
           <a:xfrm>
-            <a:off x="1011990" y="2297704"/>
-            <a:ext cx="8884558" cy="3046988"/>
+            <a:off x="870100" y="2171580"/>
+            <a:ext cx="8884558" cy="3416320"/>
           </a:xfrm>
           <a:prstGeom prst="rect">
             <a:avLst/>
@@ -6919,27 +7035,36 @@
                 <a:latin typeface="Times New Roman" panose="02020603050405020304" pitchFamily="18" charset="0"/>
                 <a:ea typeface="Calibri" panose="020F0502020204030204" pitchFamily="34" charset="0"/>
               </a:rPr>
-              <a:t>В настоящее время стремительно развиваются новые компьютерные технологии и Интернет, а вместе с ними появляются и новые способы обучения. Одним из таких способов является дистанционное обучение, которое особенно популярно благодаря использованию Интернет-технологий. </a:t>
-            </a:r>
-            <a:endParaRPr lang="ru-RU" sz="2400" kern="1600" dirty="0" smtClean="0">
-              <a:latin typeface="Times New Roman" panose="02020603050405020304" pitchFamily="18" charset="0"/>
-              <a:ea typeface="Calibri" panose="020F0502020204030204" pitchFamily="34" charset="0"/>
-            </a:endParaRPr>
-          </a:p>
-          <a:p>
+              <a:t>В настоящее время стремительно развиваются новые компьютерные технологии и Интернет, а вместе с ними появляются и новые способы обучения. Одним из таких способов является дистанционное обучение, которое особенно популярно благодаря использованию Интернет-технологий</a:t>
+            </a:r>
             <a:r>
               <a:rPr lang="ru-RU" sz="2400" kern="1600" dirty="0" smtClean="0">
                 <a:latin typeface="Times New Roman" panose="02020603050405020304" pitchFamily="18" charset="0"/>
                 <a:ea typeface="Calibri" panose="020F0502020204030204" pitchFamily="34" charset="0"/>
               </a:rPr>
-              <a:t>Немалый </a:t>
-            </a:r>
+              <a:t>.</a:t>
+            </a:r>
+          </a:p>
+          <a:p>
+            <a:endParaRPr lang="ru-RU" sz="2400" kern="1600" dirty="0">
+              <a:latin typeface="Times New Roman" panose="02020603050405020304" pitchFamily="18" charset="0"/>
+              <a:ea typeface="Calibri" panose="020F0502020204030204" pitchFamily="34" charset="0"/>
+            </a:endParaRPr>
+          </a:p>
+          <a:p>
             <a:r>
               <a:rPr lang="ru-RU" sz="2400" kern="1600" dirty="0">
                 <a:latin typeface="Times New Roman" panose="02020603050405020304" pitchFamily="18" charset="0"/>
                 <a:ea typeface="Calibri" panose="020F0502020204030204" pitchFamily="34" charset="0"/>
               </a:rPr>
-              <a:t>интерес вызывают вопросы, связанные с автоматизацией тестирования, поскольку «ручные методы» уже давно исчерпали свои возможности. </a:t>
+              <a:t>Немалый интерес вызывают вопросы, связанные с автоматизацией тестирования, поскольку «ручные методы» уже давно исчерпали свои возможности.</a:t>
+            </a:r>
+            <a:r>
+              <a:rPr lang="ru-RU" sz="2400" kern="1600" dirty="0" smtClean="0">
+                <a:latin typeface="Times New Roman" panose="02020603050405020304" pitchFamily="18" charset="0"/>
+                <a:ea typeface="Calibri" panose="020F0502020204030204" pitchFamily="34" charset="0"/>
+              </a:rPr>
+              <a:t> </a:t>
             </a:r>
             <a:endParaRPr lang="ru-RU" sz="2400" dirty="0"/>
           </a:p>
@@ -7013,8 +7138,8 @@
         </p:nvSpPr>
         <p:spPr>
           <a:xfrm>
-            <a:off x="1515033" y="1602644"/>
-            <a:ext cx="8785413" cy="1261884"/>
+            <a:off x="1191840" y="2296327"/>
+            <a:ext cx="8785413" cy="954107"/>
           </a:xfrm>
           <a:prstGeom prst="rect">
             <a:avLst/>
@@ -7036,11 +7161,7 @@
             </a:r>
             <a:r>
               <a:rPr lang="ru-RU" sz="2000" dirty="0"/>
-              <a:t>данной дипломной работы является веб приложения для </a:t>
-            </a:r>
-            <a:r>
-              <a:rPr lang="ru-RU" sz="2000" dirty="0" smtClean="0"/>
-              <a:t>проведения автоматизированного тестирования и дистанционного обучения</a:t>
+              <a:t>Целью данной дипломной проекта является разработка веб приложения для проведения тестирования</a:t>
             </a:r>
             <a:r>
               <a:rPr lang="ru-RU" sz="2800" dirty="0" smtClean="0"/>
@@ -7058,8 +7179,8 @@
         </p:nvSpPr>
         <p:spPr>
           <a:xfrm>
-            <a:off x="1595716" y="3091081"/>
-            <a:ext cx="8624048" cy="1569660"/>
+            <a:off x="1106985" y="3950302"/>
+            <a:ext cx="8624048" cy="830997"/>
           </a:xfrm>
           <a:prstGeom prst="rect">
             <a:avLst/>
@@ -7085,21 +7206,6 @@
             </a:r>
           </a:p>
           <a:p>
-            <a:endParaRPr lang="ru-RU" sz="2000" dirty="0"/>
-          </a:p>
-          <a:p>
-            <a:r>
-              <a:rPr lang="ru-RU" sz="2800" dirty="0"/>
-              <a:t>Предмет исследования</a:t>
-            </a:r>
-            <a:r>
-              <a:rPr lang="ru-RU" sz="2000" dirty="0"/>
-              <a:t> – разработка веб приложения для проведения </a:t>
-            </a:r>
-            <a:r>
-              <a:rPr lang="ru-RU" sz="2000" dirty="0" smtClean="0"/>
-              <a:t>тестирования</a:t>
-            </a:r>
             <a:endParaRPr lang="ru-RU" sz="2000" dirty="0"/>
           </a:p>
         </p:txBody>
@@ -7481,8 +7587,8 @@
         </p:blipFill>
         <p:spPr>
           <a:xfrm>
-            <a:off x="1919273" y="1692161"/>
-            <a:ext cx="5860533" cy="4058280"/>
+            <a:off x="1131873" y="1558149"/>
+            <a:ext cx="6864860" cy="4753752"/>
           </a:xfrm>
           <a:prstGeom prst="rect">
             <a:avLst/>
@@ -7539,25 +7645,25 @@
         </p:nvSpPr>
         <p:spPr>
           <a:xfrm>
-            <a:off x="2170910" y="658427"/>
-            <a:ext cx="5883342" cy="830997"/>
+            <a:off x="654333" y="190833"/>
+            <a:ext cx="8619669" cy="1631541"/>
           </a:xfrm>
           <a:prstGeom prst="rect">
             <a:avLst/>
           </a:prstGeom>
         </p:spPr>
         <p:txBody>
-          <a:bodyPr wrap="none">
+          <a:bodyPr wrap="square">
             <a:spAutoFit/>
           </a:bodyPr>
           <a:lstStyle/>
           <a:p>
-            <a:pPr algn="r"/>
+            <a:pPr algn="ctr"/>
             <a:r>
               <a:rPr lang="ru-RU" sz="4800" dirty="0" smtClean="0">
                 <a:latin typeface="Century Gothic (Заголовки)"/>
               </a:rPr>
-              <a:t>Страница профиля</a:t>
+              <a:t>Возможность выбрать нужный курс</a:t>
             </a:r>
             <a:endParaRPr lang="ru-RU" sz="4800" dirty="0">
               <a:latin typeface="Century Gothic (Заголовки)"/>
@@ -7590,7 +7696,7 @@
       </p:sp>
       <p:pic>
         <p:nvPicPr>
-          <p:cNvPr id="3" name="Рисунок 2"/>
+          <p:cNvPr id="4" name="Рисунок 3"/>
           <p:cNvPicPr>
             <a:picLocks noChangeAspect="1"/>
           </p:cNvPicPr>
@@ -7604,17 +7710,12 @@
         </p:blipFill>
         <p:spPr>
           <a:xfrm>
-            <a:off x="1383082" y="1704619"/>
-            <a:ext cx="7458997" cy="2884576"/>
+            <a:off x="640009" y="1822374"/>
+            <a:ext cx="8945144" cy="3468953"/>
           </a:xfrm>
           <a:prstGeom prst="rect">
             <a:avLst/>
           </a:prstGeom>
-          <a:ln>
-            <a:solidFill>
-              <a:schemeClr val="tx1"/>
-            </a:solidFill>
-          </a:ln>
         </p:spPr>
       </p:pic>
     </p:spTree>
@@ -7662,8 +7763,8 @@
         </p:nvSpPr>
         <p:spPr>
           <a:xfrm>
-            <a:off x="2774649" y="643536"/>
-            <a:ext cx="4529510" cy="830997"/>
+            <a:off x="2903912" y="672565"/>
+            <a:ext cx="4719562" cy="830997"/>
           </a:xfrm>
           <a:prstGeom prst="rect">
             <a:avLst/>
@@ -7680,7 +7781,7 @@
               <a:rPr lang="ru-RU" sz="4800" dirty="0" smtClean="0">
                 <a:latin typeface="Century Gothic (Заголовки)"/>
               </a:rPr>
-              <a:t>Админка курсы</a:t>
+              <a:t>Страница курса</a:t>
             </a:r>
             <a:endParaRPr lang="ru-RU" sz="4800" dirty="0">
               <a:latin typeface="Century Gothic (Заголовки)"/>
@@ -7713,7 +7814,7 @@
       </p:sp>
       <p:pic>
         <p:nvPicPr>
-          <p:cNvPr id="3" name="Рисунок 2"/>
+          <p:cNvPr id="4" name="Рисунок 3"/>
           <p:cNvPicPr>
             <a:picLocks noChangeAspect="1"/>
           </p:cNvPicPr>
@@ -7727,17 +7828,12 @@
         </p:blipFill>
         <p:spPr>
           <a:xfrm>
-            <a:off x="1468208" y="1579584"/>
-            <a:ext cx="7142392" cy="4340852"/>
+            <a:off x="1998567" y="1835788"/>
+            <a:ext cx="6081674" cy="4570699"/>
           </a:xfrm>
           <a:prstGeom prst="rect">
             <a:avLst/>
           </a:prstGeom>
-          <a:ln>
-            <a:solidFill>
-              <a:schemeClr val="tx1"/>
-            </a:solidFill>
-          </a:ln>
         </p:spPr>
       </p:pic>
     </p:spTree>
@@ -7785,25 +7881,25 @@
         </p:nvSpPr>
         <p:spPr>
           <a:xfrm>
-            <a:off x="2776124" y="499980"/>
-            <a:ext cx="5147948" cy="830997"/>
+            <a:off x="1009149" y="49361"/>
+            <a:ext cx="7931651" cy="1569660"/>
           </a:xfrm>
           <a:prstGeom prst="rect">
             <a:avLst/>
           </a:prstGeom>
         </p:spPr>
         <p:txBody>
-          <a:bodyPr wrap="none">
+          <a:bodyPr wrap="square">
             <a:spAutoFit/>
           </a:bodyPr>
           <a:lstStyle/>
           <a:p>
-            <a:pPr algn="r"/>
+            <a:pPr algn="ctr"/>
             <a:r>
               <a:rPr lang="ru-RU" sz="4800" dirty="0" smtClean="0">
                 <a:latin typeface="Century Gothic (Заголовки)"/>
               </a:rPr>
-              <a:t>Создание лекции</a:t>
+              <a:t>Страница лекций выбранного курса</a:t>
             </a:r>
             <a:endParaRPr lang="ru-RU" sz="4800" dirty="0">
               <a:latin typeface="Century Gothic (Заголовки)"/>
@@ -7836,7 +7932,7 @@
       </p:sp>
       <p:pic>
         <p:nvPicPr>
-          <p:cNvPr id="3" name="Рисунок 2"/>
+          <p:cNvPr id="4" name="Рисунок 3"/>
           <p:cNvPicPr>
             <a:picLocks noChangeAspect="1"/>
           </p:cNvPicPr>
@@ -7850,8 +7946,8 @@
         </p:blipFill>
         <p:spPr>
           <a:xfrm>
-            <a:off x="2038691" y="1478993"/>
-            <a:ext cx="6622814" cy="4438544"/>
+            <a:off x="1009149" y="1577841"/>
+            <a:ext cx="8264853" cy="3719871"/>
           </a:xfrm>
           <a:prstGeom prst="rect">
             <a:avLst/>
@@ -7903,20 +7999,20 @@
         </p:nvSpPr>
         <p:spPr>
           <a:xfrm>
-            <a:off x="1651291" y="536824"/>
-            <a:ext cx="6721713" cy="830997"/>
+            <a:off x="1270035" y="159657"/>
+            <a:ext cx="7320628" cy="1569660"/>
           </a:xfrm>
           <a:prstGeom prst="rect">
             <a:avLst/>
           </a:prstGeom>
         </p:spPr>
         <p:txBody>
-          <a:bodyPr wrap="none">
+          <a:bodyPr wrap="square">
             <a:spAutoFit/>
           </a:bodyPr>
           <a:lstStyle/>
           <a:p>
-            <a:pPr algn="r"/>
+            <a:pPr algn="ctr"/>
             <a:r>
               <a:rPr lang="ru-RU" sz="4800" dirty="0" smtClean="0">
                 <a:latin typeface="Century Gothic (Заголовки)"/>
@@ -7927,7 +8023,7 @@
               <a:rPr lang="ru-RU" sz="4800" dirty="0" smtClean="0">
                 <a:latin typeface="Century Gothic (Заголовки)"/>
               </a:rPr>
-              <a:t>регистрации</a:t>
+              <a:t>выбранной лекции</a:t>
             </a:r>
             <a:endParaRPr lang="ru-RU" sz="4800" dirty="0">
               <a:latin typeface="Century Gothic (Заголовки)"/>
@@ -7960,7 +8056,7 @@
       </p:sp>
       <p:pic>
         <p:nvPicPr>
-          <p:cNvPr id="3" name="Рисунок 2"/>
+          <p:cNvPr id="4" name="Рисунок 3"/>
           <p:cNvPicPr>
             <a:picLocks noChangeAspect="1"/>
           </p:cNvPicPr>
@@ -7974,8 +8070,8 @@
         </p:blipFill>
         <p:spPr>
           <a:xfrm>
-            <a:off x="3187552" y="1561599"/>
-            <a:ext cx="3649192" cy="3496176"/>
+            <a:off x="954030" y="1581116"/>
+            <a:ext cx="7749437" cy="4460246"/>
           </a:xfrm>
           <a:prstGeom prst="rect">
             <a:avLst/>
